--- a/revenue maximization.pptx
+++ b/revenue maximization.pptx
@@ -5,11 +5,13 @@
     <p:sldMasterId id="2147483648" r:id="rId1"/>
   </p:sldMasterIdLst>
   <p:sldIdLst>
-    <p:sldId id="256" r:id="rId2"/>
-    <p:sldId id="257" r:id="rId3"/>
-    <p:sldId id="258" r:id="rId4"/>
-    <p:sldId id="259" r:id="rId5"/>
-    <p:sldId id="260" r:id="rId6"/>
+    <p:sldId id="262" r:id="rId2"/>
+    <p:sldId id="256" r:id="rId3"/>
+    <p:sldId id="261" r:id="rId4"/>
+    <p:sldId id="257" r:id="rId5"/>
+    <p:sldId id="258" r:id="rId6"/>
+    <p:sldId id="259" r:id="rId7"/>
+    <p:sldId id="260" r:id="rId8"/>
   </p:sldIdLst>
   <p:sldSz cx="12192000" cy="6858000"/>
   <p:notesSz cx="6858000" cy="9144000"/>
@@ -108,6 +110,11 @@
       </a:defRPr>
     </a:lvl9pPr>
   </p:defaultTextStyle>
+  <p:extLst>
+    <p:ext uri="{EFAFB233-063F-42B5-8137-9DF3F51BA10A}">
+      <p15:sldGuideLst xmlns:p15="http://schemas.microsoft.com/office/powerpoint/2012/main"/>
+    </p:ext>
+  </p:extLst>
 </p:presentation>
 </file>
 
@@ -2975,72 +2982,41 @@
             <a:spLocks noGrp="1"/>
           </p:cNvSpPr>
           <p:nvPr>
-            <p:ph type="ctrTitle"/>
-          </p:nvPr>
-        </p:nvSpPr>
-        <p:spPr/>
-        <p:txBody>
-          <a:bodyPr>
-            <a:normAutofit fontScale="90000"/>
-          </a:bodyPr>
-          <a:lstStyle/>
-          <a:p>
-            <a:r>
-              <a:rPr lang="en-US" dirty="0" smtClean="0"/>
-              <a:t>How can we maximize profit from cash loans and TV upgrades?</a:t>
-            </a:r>
+            <p:ph type="title"/>
+          </p:nvPr>
+        </p:nvSpPr>
+        <p:spPr/>
+        <p:txBody>
+          <a:bodyPr/>
+          <a:lstStyle/>
+          <a:p>
             <a:endParaRPr lang="en-US" dirty="0"/>
           </a:p>
         </p:txBody>
       </p:sp>
       <p:sp>
         <p:nvSpPr>
-          <p:cNvPr id="3" name="Subtitle 2"/>
-          <p:cNvSpPr>
-            <a:spLocks noGrp="1"/>
-          </p:cNvSpPr>
-          <p:nvPr>
-            <p:ph type="subTitle" idx="1"/>
-          </p:nvPr>
-        </p:nvSpPr>
-        <p:spPr/>
-        <p:txBody>
-          <a:bodyPr/>
-          <a:lstStyle/>
-          <a:p>
-            <a:r>
-              <a:rPr lang="en-US" dirty="0" smtClean="0"/>
-              <a:t> </a:t>
-            </a:r>
-            <a:endParaRPr lang="en-US" dirty="0"/>
-          </a:p>
-          <a:p>
-            <a:r>
-              <a:rPr lang="en-US" dirty="0" smtClean="0"/>
-              <a:t>Mgasa Lucas Robert</a:t>
-            </a:r>
-          </a:p>
-          <a:p>
-            <a:r>
-              <a:rPr lang="en-US" dirty="0" smtClean="0"/>
-              <a:t>Software Engineer and Data </a:t>
-            </a:r>
-            <a:r>
-              <a:rPr lang="en-US" dirty="0" err="1" smtClean="0"/>
-              <a:t>Scientis</a:t>
-            </a:r>
-            <a:r>
-              <a:rPr lang="en-US" dirty="0" smtClean="0"/>
-              <a:t>.</a:t>
-            </a:r>
-            <a:endParaRPr lang="en-US" dirty="0"/>
+          <p:cNvPr id="3" name="Content Placeholder 2"/>
+          <p:cNvSpPr>
+            <a:spLocks noGrp="1"/>
+          </p:cNvSpPr>
+          <p:nvPr>
+            <p:ph idx="1"/>
+          </p:nvPr>
+        </p:nvSpPr>
+        <p:spPr/>
+        <p:txBody>
+          <a:bodyPr/>
+          <a:lstStyle/>
+          <a:p>
+            <a:endParaRPr lang="en-US"/>
           </a:p>
         </p:txBody>
       </p:sp>
     </p:spTree>
     <p:extLst>
       <p:ext uri="{BB962C8B-B14F-4D97-AF65-F5344CB8AC3E}">
-        <p14:creationId xmlns:p14="http://schemas.microsoft.com/office/powerpoint/2010/main" val="3590969614"/>
+        <p14:creationId xmlns:p14="http://schemas.microsoft.com/office/powerpoint/2010/main" val="1692718150"/>
       </p:ext>
     </p:extLst>
   </p:cSld>
@@ -3074,7 +3050,32 @@
             <a:spLocks noGrp="1"/>
           </p:cNvSpPr>
           <p:nvPr>
-            <p:ph type="title"/>
+            <p:ph type="ctrTitle"/>
+          </p:nvPr>
+        </p:nvSpPr>
+        <p:spPr/>
+        <p:txBody>
+          <a:bodyPr>
+            <a:normAutofit fontScale="90000"/>
+          </a:bodyPr>
+          <a:lstStyle/>
+          <a:p>
+            <a:r>
+              <a:rPr lang="en-US" dirty="0" smtClean="0"/>
+              <a:t>How can we maximize profit from cash loans and TV upgrades?</a:t>
+            </a:r>
+            <a:endParaRPr lang="en-US" dirty="0"/>
+          </a:p>
+        </p:txBody>
+      </p:sp>
+      <p:sp>
+        <p:nvSpPr>
+          <p:cNvPr id="3" name="Subtitle 2"/>
+          <p:cNvSpPr>
+            <a:spLocks noGrp="1"/>
+          </p:cNvSpPr>
+          <p:nvPr>
+            <p:ph type="subTitle" idx="1"/>
           </p:nvPr>
         </p:nvSpPr>
         <p:spPr/>
@@ -3088,215 +3089,20 @@
             </a:r>
             <a:endParaRPr lang="en-US" dirty="0"/>
           </a:p>
-        </p:txBody>
-      </p:sp>
-      <p:sp>
-        <p:nvSpPr>
-          <p:cNvPr id="3" name="Content Placeholder 2"/>
-          <p:cNvSpPr>
-            <a:spLocks noGrp="1"/>
-          </p:cNvSpPr>
-          <p:nvPr>
-            <p:ph idx="1"/>
-          </p:nvPr>
-        </p:nvSpPr>
-        <p:spPr>
-          <a:xfrm>
-            <a:off x="838200" y="1431636"/>
-            <a:ext cx="10515600" cy="4128655"/>
-          </a:xfrm>
-        </p:spPr>
-        <p:txBody>
-          <a:bodyPr>
-            <a:normAutofit fontScale="55000" lnSpcReduction="20000"/>
-          </a:bodyPr>
-          <a:lstStyle/>
-          <a:p>
-            <a:r>
-              <a:rPr lang="en-US" dirty="0" smtClean="0"/>
-              <a:t>Decision Variables: </a:t>
-            </a:r>
-          </a:p>
-          <a:p>
-            <a:r>
-              <a:rPr lang="en-US" dirty="0" smtClean="0"/>
-              <a:t>x  : Number of cash loans (upsell loans) to be sold per month in 2023.</a:t>
-            </a:r>
-          </a:p>
-          <a:p>
-            <a:r>
-              <a:rPr lang="en-US" dirty="0" smtClean="0"/>
-              <a:t> Y : Number of TV upgrades (upgrade loans) to be sold per month in 2023.</a:t>
-            </a:r>
-          </a:p>
-          <a:p>
-            <a:r>
-              <a:rPr lang="en-US" dirty="0" smtClean="0"/>
-              <a:t>Constraints: </a:t>
-            </a:r>
-          </a:p>
-          <a:p>
-            <a:r>
-              <a:rPr lang="en-US" dirty="0" smtClean="0"/>
-              <a:t>Eligibility Constraint:</a:t>
-            </a:r>
-          </a:p>
-          <a:p>
-            <a:pPr lvl="2"/>
-            <a:r>
-              <a:rPr lang="en-US" i="1" dirty="0"/>
-              <a:t>X</a:t>
-            </a:r>
-            <a:r>
-              <a:rPr lang="en-US" dirty="0" smtClean="0"/>
-              <a:t>​ </a:t>
-            </a:r>
-            <a:r>
-              <a:rPr lang="en-US" dirty="0"/>
-              <a:t>can be sold to 90% of customers.</a:t>
-            </a:r>
-          </a:p>
-          <a:p>
-            <a:pPr lvl="2"/>
-            <a:r>
-              <a:rPr lang="en-US" dirty="0"/>
-              <a:t>Y</a:t>
-            </a:r>
-            <a:r>
-              <a:rPr lang="en-US" dirty="0" smtClean="0"/>
-              <a:t>​ </a:t>
-            </a:r>
-            <a:r>
-              <a:rPr lang="en-US" dirty="0"/>
-              <a:t>can be sold to customers who haven't purchased any upsell loans </a:t>
-            </a:r>
-            <a:r>
-              <a:rPr lang="en-US" dirty="0" smtClean="0"/>
-              <a:t>(75% </a:t>
-            </a:r>
-            <a:r>
-              <a:rPr lang="en-US" dirty="0"/>
-              <a:t>initially, decreases by 0.2 percentage points for each cash loan they've purchased</a:t>
-            </a:r>
-            <a:r>
-              <a:rPr lang="en-US" dirty="0" smtClean="0"/>
-              <a:t>)</a:t>
-            </a:r>
-          </a:p>
-          <a:p>
-            <a:pPr lvl="2"/>
-            <a:r>
-              <a:rPr lang="en-US" dirty="0" smtClean="0"/>
-              <a:t>Y=0.75−</a:t>
-            </a:r>
-            <a:r>
-              <a:rPr lang="en-US" dirty="0"/>
-              <a:t>0.002×(Total Cash Loans Purchased by the Customer)×</a:t>
-            </a:r>
-            <a:r>
-              <a:rPr lang="en-US" dirty="0" smtClean="0"/>
-              <a:t>100.</a:t>
-            </a:r>
-          </a:p>
-          <a:p>
-            <a:r>
-              <a:rPr lang="en-US" dirty="0" smtClean="0"/>
-              <a:t>Loan Timing Constraint:</a:t>
-            </a:r>
-            <a:endParaRPr lang="en-US" dirty="0"/>
-          </a:p>
-          <a:p>
-            <a:pPr lvl="1"/>
-            <a:r>
-              <a:rPr lang="en-US" dirty="0" smtClean="0"/>
-              <a:t> </a:t>
-            </a:r>
-            <a:r>
-              <a:rPr lang="en-US" dirty="0"/>
-              <a:t>upgrades must be purchased the day the Classic loan is finished</a:t>
-            </a:r>
-            <a:r>
-              <a:rPr lang="en-US" dirty="0" smtClean="0"/>
-              <a:t>.</a:t>
-            </a:r>
-          </a:p>
-          <a:p>
-            <a:r>
-              <a:rPr lang="en-US" dirty="0" smtClean="0"/>
-              <a:t>Loan Limitation Constraint:</a:t>
-            </a:r>
-            <a:endParaRPr lang="en-US" dirty="0"/>
-          </a:p>
-          <a:p>
-            <a:pPr lvl="1"/>
-            <a:r>
-              <a:rPr lang="en-US" dirty="0"/>
-              <a:t>No limitations on the maximum or minimum volumes for both cash loans and VT upgrades</a:t>
-            </a:r>
-            <a:r>
-              <a:rPr lang="en-US" dirty="0" smtClean="0"/>
-              <a:t>.</a:t>
-            </a:r>
-          </a:p>
-          <a:p>
-            <a:r>
-              <a:rPr lang="en-US" dirty="0" smtClean="0"/>
-              <a:t>Conversion Rate Constraint:</a:t>
-            </a:r>
-          </a:p>
-          <a:p>
-            <a:pPr lvl="2"/>
-            <a:r>
-              <a:rPr lang="en-US" dirty="0" smtClean="0"/>
-              <a:t>90% of customers offered a cash loan will purchase.</a:t>
-            </a:r>
-          </a:p>
-          <a:p>
-            <a:pPr lvl="2"/>
-            <a:r>
-              <a:rPr lang="en-US" dirty="0" smtClean="0"/>
-              <a:t>5% of customers offered a TV upgrade will purchase.</a:t>
-            </a:r>
-          </a:p>
-          <a:p>
-            <a:r>
-              <a:rPr lang="en-US" dirty="0"/>
-              <a:t>Objective </a:t>
-            </a:r>
-            <a:r>
-              <a:rPr lang="en-US" dirty="0" smtClean="0"/>
-              <a:t>Function(</a:t>
-            </a:r>
-            <a:r>
-              <a:rPr lang="en-US" dirty="0" smtClean="0"/>
-              <a:t>Maximize Profit)</a:t>
-            </a:r>
-            <a:r>
-              <a:rPr lang="en-US" dirty="0" smtClean="0"/>
-              <a:t>: </a:t>
-            </a:r>
-          </a:p>
-          <a:p>
-            <a:pPr lvl="2"/>
-            <a:r>
-              <a:rPr lang="en-US" dirty="0" smtClean="0"/>
-              <a:t>Maximum Profit</a:t>
-            </a:r>
-            <a:r>
-              <a:rPr lang="en-US" dirty="0"/>
-              <a:t>=(</a:t>
-            </a:r>
-            <a:r>
-              <a:rPr lang="en-US" dirty="0" smtClean="0"/>
-              <a:t>25×</a:t>
-            </a:r>
-            <a:r>
-              <a:rPr lang="en-US" dirty="0"/>
-              <a:t>X</a:t>
-            </a:r>
-            <a:r>
-              <a:rPr lang="en-US" dirty="0" smtClean="0"/>
-              <a:t>)+(150×Y)</a:t>
+          <a:p>
+            <a:r>
+              <a:rPr lang="en-US" dirty="0" smtClean="0"/>
+              <a:t>Mgasa Lucas Robert</a:t>
+            </a:r>
+          </a:p>
+          <a:p>
+            <a:r>
+              <a:rPr lang="en-US" dirty="0" smtClean="0"/>
+              <a:t>Software Engineer and Data </a:t>
+            </a:r>
+            <a:r>
+              <a:rPr lang="en-US" dirty="0" smtClean="0"/>
+              <a:t>Scientist.</a:t>
             </a:r>
             <a:endParaRPr lang="en-US" dirty="0"/>
           </a:p>
@@ -3305,7 +3111,7 @@
     </p:spTree>
     <p:extLst>
       <p:ext uri="{BB962C8B-B14F-4D97-AF65-F5344CB8AC3E}">
-        <p14:creationId xmlns:p14="http://schemas.microsoft.com/office/powerpoint/2010/main" val="901652870"/>
+        <p14:creationId xmlns:p14="http://schemas.microsoft.com/office/powerpoint/2010/main" val="3590969614"/>
       </p:ext>
     </p:extLst>
   </p:cSld>
@@ -3349,7 +3155,7 @@
           <a:p>
             <a:r>
               <a:rPr lang="en-US" dirty="0" smtClean="0"/>
-              <a:t>Guiding Equations</a:t>
+              <a:t>Process:</a:t>
             </a:r>
             <a:endParaRPr lang="en-US" dirty="0"/>
           </a:p>
@@ -3371,32 +3177,30 @@
           <a:lstStyle/>
           <a:p>
             <a:r>
-              <a:rPr lang="en-US" i="1" dirty="0"/>
-              <a:t>X</a:t>
-            </a:r>
-            <a:r>
-              <a:rPr lang="en-US" dirty="0" smtClean="0"/>
-              <a:t>​≤0.90×C</a:t>
-            </a:r>
-          </a:p>
-          <a:p>
-            <a:r>
-              <a:rPr lang="en-US" dirty="0" smtClean="0"/>
-              <a:t>Y- 0.75X≤(0.2 X 100) C</a:t>
-            </a:r>
-          </a:p>
-          <a:p>
-            <a:r>
-              <a:rPr lang="en-US" dirty="0" smtClean="0"/>
-              <a:t>Y≤0.05 X C</a:t>
-            </a:r>
-            <a:endParaRPr lang="en-US" dirty="0" smtClean="0"/>
-          </a:p>
-          <a:p>
-            <a:r>
-              <a:rPr lang="en-US" dirty="0" smtClean="0"/>
-              <a:t>X, Y≥0</a:t>
-            </a:r>
+              <a:rPr lang="en-US" dirty="0" smtClean="0"/>
+              <a:t>Data Restructuring.</a:t>
+            </a:r>
+          </a:p>
+          <a:p>
+            <a:r>
+              <a:rPr lang="en-US" dirty="0" smtClean="0"/>
+              <a:t>Cut-off  ( 2023 ).</a:t>
+            </a:r>
+          </a:p>
+          <a:p>
+            <a:r>
+              <a:rPr lang="en-US" dirty="0" smtClean="0"/>
+              <a:t>Function Equation from Assumptions.</a:t>
+            </a:r>
+            <a:endParaRPr lang="en-US" dirty="0"/>
+          </a:p>
+          <a:p>
+            <a:r>
+              <a:rPr lang="en-US" dirty="0" smtClean="0"/>
+              <a:t>Maximum Profit Optimal Equation.</a:t>
+            </a:r>
+          </a:p>
+          <a:p>
             <a:endParaRPr lang="en-US" dirty="0"/>
           </a:p>
         </p:txBody>
@@ -3404,7 +3208,7 @@
     </p:spTree>
     <p:extLst>
       <p:ext uri="{BB962C8B-B14F-4D97-AF65-F5344CB8AC3E}">
-        <p14:creationId xmlns:p14="http://schemas.microsoft.com/office/powerpoint/2010/main" val="2884365884"/>
+        <p14:creationId xmlns:p14="http://schemas.microsoft.com/office/powerpoint/2010/main" val="14497265"/>
       </p:ext>
     </p:extLst>
   </p:cSld>
@@ -3464,69 +3268,204 @@
             <p:ph idx="1"/>
           </p:nvPr>
         </p:nvSpPr>
-        <p:spPr/>
+        <p:spPr>
+          <a:xfrm>
+            <a:off x="838200" y="1431636"/>
+            <a:ext cx="10515600" cy="4128655"/>
+          </a:xfrm>
+        </p:spPr>
         <p:txBody>
           <a:bodyPr>
-            <a:normAutofit fontScale="92500" lnSpcReduction="10000"/>
+            <a:normAutofit fontScale="55000" lnSpcReduction="20000"/>
           </a:bodyPr>
           <a:lstStyle/>
           <a:p>
             <a:r>
+              <a:rPr lang="en-US" dirty="0" smtClean="0"/>
+              <a:t>Decision Variables: </a:t>
+            </a:r>
+          </a:p>
+          <a:p>
+            <a:r>
+              <a:rPr lang="en-US" dirty="0" smtClean="0"/>
+              <a:t>x  : Number of cash loans (upsell loans) to be sold per month in 2023.</a:t>
+            </a:r>
+          </a:p>
+          <a:p>
+            <a:r>
+              <a:rPr lang="en-US" dirty="0" smtClean="0"/>
+              <a:t> Y : Number of TV upgrades (upgrade loans) to be sold per month in 2023.</a:t>
+            </a:r>
+          </a:p>
+          <a:p>
+            <a:r>
+              <a:rPr lang="en-US" dirty="0" smtClean="0"/>
+              <a:t>Constraints: </a:t>
+            </a:r>
+          </a:p>
+          <a:p>
+            <a:r>
+              <a:rPr lang="en-US" dirty="0" smtClean="0"/>
+              <a:t>Eligibility Constraint:</a:t>
+            </a:r>
+          </a:p>
+          <a:p>
+            <a:pPr lvl="2"/>
+            <a:r>
+              <a:rPr lang="en-US" i="1" dirty="0"/>
+              <a:t>X</a:t>
+            </a:r>
+            <a:r>
+              <a:rPr lang="en-US" dirty="0" smtClean="0"/>
+              <a:t>​ </a:t>
+            </a:r>
+            <a:r>
               <a:rPr lang="en-US" dirty="0"/>
-              <a:t>To potentially adjust business rules to improve profitability, we can explore options such as:</a:t>
-            </a:r>
+              <a:t>can be sold to 90% of customers.</a:t>
+            </a:r>
+          </a:p>
+          <a:p>
+            <a:pPr lvl="2"/>
+            <a:r>
+              <a:rPr lang="en-US" dirty="0"/>
+              <a:t>Y</a:t>
+            </a:r>
+            <a:r>
+              <a:rPr lang="en-US" dirty="0" smtClean="0"/>
+              <a:t>​ </a:t>
+            </a:r>
+            <a:r>
+              <a:rPr lang="en-US" dirty="0"/>
+              <a:t>can be sold to customers who haven't purchased any upsell loans </a:t>
+            </a:r>
+            <a:r>
+              <a:rPr lang="en-US" dirty="0" smtClean="0"/>
+              <a:t>(75% </a:t>
+            </a:r>
+            <a:r>
+              <a:rPr lang="en-US" dirty="0"/>
+              <a:t>initially, decreases by 0.2 percentage points for each cash loan they've purchased</a:t>
+            </a:r>
+            <a:r>
+              <a:rPr lang="en-US" dirty="0" smtClean="0"/>
+              <a:t>)</a:t>
+            </a:r>
+          </a:p>
+          <a:p>
+            <a:pPr lvl="2"/>
+            <a:r>
+              <a:rPr lang="en-US" dirty="0" smtClean="0"/>
+              <a:t>Y=0.75−</a:t>
+            </a:r>
+            <a:r>
+              <a:rPr lang="en-US" dirty="0"/>
+              <a:t>0.002×(Total Cash Loans Purchased by the Customer)×</a:t>
+            </a:r>
+            <a:r>
+              <a:rPr lang="en-US" dirty="0" smtClean="0"/>
+              <a:t>100.</a:t>
+            </a:r>
+          </a:p>
+          <a:p>
+            <a:r>
+              <a:rPr lang="en-US" dirty="0" smtClean="0"/>
+              <a:t>Loan Timing Constraint:</a:t>
+            </a:r>
+            <a:endParaRPr lang="en-US" dirty="0"/>
           </a:p>
           <a:p>
             <a:pPr lvl="1"/>
             <a:r>
+              <a:rPr lang="en-US" dirty="0" smtClean="0"/>
+              <a:t> </a:t>
+            </a:r>
+            <a:r>
               <a:rPr lang="en-US" dirty="0"/>
-              <a:t>Adjusting eligibility criteria based on customer behavior or credit performance.</a:t>
-            </a:r>
+              <a:t>upgrades must be purchased the day the Classic loan is finished</a:t>
+            </a:r>
+            <a:r>
+              <a:rPr lang="en-US" dirty="0" smtClean="0"/>
+              <a:t>.</a:t>
+            </a:r>
+          </a:p>
+          <a:p>
+            <a:r>
+              <a:rPr lang="en-US" dirty="0" smtClean="0"/>
+              <a:t>Loan Limitation Constraint:</a:t>
+            </a:r>
+            <a:endParaRPr lang="en-US" dirty="0"/>
           </a:p>
           <a:p>
             <a:pPr lvl="1"/>
             <a:r>
               <a:rPr lang="en-US" dirty="0"/>
-              <a:t>Offering incentives or discounts to encourage customers to purchase upgrades.</a:t>
-            </a:r>
-          </a:p>
-          <a:p>
-            <a:r>
-              <a:rPr lang="en-US" dirty="0" smtClean="0"/>
-              <a:t>Operational </a:t>
-            </a:r>
+              <a:t>No limitations on the maximum or minimum volumes for both cash loans and VT upgrades</a:t>
+            </a:r>
+            <a:r>
+              <a:rPr lang="en-US" dirty="0" smtClean="0"/>
+              <a:t>.</a:t>
+            </a:r>
+          </a:p>
+          <a:p>
+            <a:r>
+              <a:rPr lang="en-US" dirty="0" smtClean="0"/>
+              <a:t>Conversion Rate Constraint:</a:t>
+            </a:r>
+          </a:p>
+          <a:p>
+            <a:pPr lvl="2"/>
+            <a:r>
+              <a:rPr lang="en-US" dirty="0" smtClean="0"/>
+              <a:t>90% of customers offered a cash loan will purchase.</a:t>
+            </a:r>
+          </a:p>
+          <a:p>
+            <a:pPr lvl="2"/>
+            <a:r>
+              <a:rPr lang="en-US" dirty="0" smtClean="0"/>
+              <a:t>5% of customers offered a TV upgrade will purchase.</a:t>
+            </a:r>
+          </a:p>
+          <a:p>
             <a:r>
               <a:rPr lang="en-US" dirty="0"/>
-              <a:t>improvements to investigate to improve profitability may include:</a:t>
-            </a:r>
-          </a:p>
-          <a:p>
-            <a:pPr lvl="1"/>
+              <a:t>Objective </a:t>
+            </a:r>
+            <a:r>
+              <a:rPr lang="en-US" dirty="0" smtClean="0"/>
+              <a:t>Function(Maximize Profit): </a:t>
+            </a:r>
+          </a:p>
+          <a:p>
+            <a:pPr lvl="2"/>
+            <a:r>
+              <a:rPr lang="en-US" dirty="0" smtClean="0"/>
+              <a:t>Maximum Profit</a:t>
+            </a:r>
             <a:r>
               <a:rPr lang="en-US" dirty="0"/>
-              <a:t>Analyzing the sensitivity of assumptions (e.g., conversion rates, eligibility criteria) to identify areas for optimization.</a:t>
-            </a:r>
-          </a:p>
-          <a:p>
-            <a:pPr lvl="1"/>
+              <a:t>=(</a:t>
+            </a:r>
+            <a:r>
+              <a:rPr lang="en-US" dirty="0" smtClean="0"/>
+              <a:t>25×</a:t>
+            </a:r>
             <a:r>
               <a:rPr lang="en-US" dirty="0"/>
-              <a:t>Conducting market research to understand customer preferences and behavior better.</a:t>
-            </a:r>
-          </a:p>
-          <a:p>
-            <a:pPr lvl="1"/>
-            <a:r>
-              <a:rPr lang="en-US" dirty="0"/>
-              <a:t>Implementing data-driven decision-making processes to optimize product offerings and pricing strategies.</a:t>
-            </a:r>
+              <a:t>X</a:t>
+            </a:r>
+            <a:r>
+              <a:rPr lang="en-US" dirty="0" smtClean="0"/>
+              <a:t>)+(150×Y)</a:t>
+            </a:r>
+            <a:endParaRPr lang="en-US" dirty="0"/>
           </a:p>
         </p:txBody>
       </p:sp>
     </p:spTree>
     <p:extLst>
       <p:ext uri="{BB962C8B-B14F-4D97-AF65-F5344CB8AC3E}">
-        <p14:creationId xmlns:p14="http://schemas.microsoft.com/office/powerpoint/2010/main" val="3864135730"/>
+        <p14:creationId xmlns:p14="http://schemas.microsoft.com/office/powerpoint/2010/main" val="901652870"/>
       </p:ext>
     </p:extLst>
   </p:cSld>
@@ -3568,7 +3507,231 @@
           <a:bodyPr/>
           <a:lstStyle/>
           <a:p>
-            <a:endParaRPr lang="en-US"/>
+            <a:r>
+              <a:rPr lang="en-US" dirty="0" smtClean="0"/>
+              <a:t>Guiding Equations</a:t>
+            </a:r>
+            <a:endParaRPr lang="en-US" dirty="0"/>
+          </a:p>
+        </p:txBody>
+      </p:sp>
+      <p:sp>
+        <p:nvSpPr>
+          <p:cNvPr id="3" name="Content Placeholder 2"/>
+          <p:cNvSpPr>
+            <a:spLocks noGrp="1"/>
+          </p:cNvSpPr>
+          <p:nvPr>
+            <p:ph idx="1"/>
+          </p:nvPr>
+        </p:nvSpPr>
+        <p:spPr/>
+        <p:txBody>
+          <a:bodyPr/>
+          <a:lstStyle/>
+          <a:p>
+            <a:r>
+              <a:rPr lang="en-US" i="1" dirty="0"/>
+              <a:t>X</a:t>
+            </a:r>
+            <a:r>
+              <a:rPr lang="en-US" dirty="0" smtClean="0"/>
+              <a:t>​≤0.90×C</a:t>
+            </a:r>
+          </a:p>
+          <a:p>
+            <a:r>
+              <a:rPr lang="en-US" dirty="0" smtClean="0"/>
+              <a:t>Y- 0.75X≤(0.2 X 100) C</a:t>
+            </a:r>
+          </a:p>
+          <a:p>
+            <a:r>
+              <a:rPr lang="en-US" dirty="0" smtClean="0"/>
+              <a:t>Y≤0.05 X C</a:t>
+            </a:r>
+          </a:p>
+          <a:p>
+            <a:r>
+              <a:rPr lang="en-US" dirty="0" smtClean="0"/>
+              <a:t>X, Y≥0</a:t>
+            </a:r>
+            <a:endParaRPr lang="en-US" dirty="0"/>
+          </a:p>
+        </p:txBody>
+      </p:sp>
+    </p:spTree>
+    <p:extLst>
+      <p:ext uri="{BB962C8B-B14F-4D97-AF65-F5344CB8AC3E}">
+        <p14:creationId xmlns:p14="http://schemas.microsoft.com/office/powerpoint/2010/main" val="2884365884"/>
+      </p:ext>
+    </p:extLst>
+  </p:cSld>
+  <p:clrMapOvr>
+    <a:masterClrMapping/>
+  </p:clrMapOvr>
+</p:sld>
+</file>
+
+<file path=ppt/slides/slide6.xml><?xml version="1.0" encoding="utf-8"?>
+<p:sld xmlns:a="http://schemas.openxmlformats.org/drawingml/2006/main" xmlns:r="http://schemas.openxmlformats.org/officeDocument/2006/relationships" xmlns:p="http://schemas.openxmlformats.org/presentationml/2006/main">
+  <p:cSld>
+    <p:spTree>
+      <p:nvGrpSpPr>
+        <p:cNvPr id="1" name=""/>
+        <p:cNvGrpSpPr/>
+        <p:nvPr/>
+      </p:nvGrpSpPr>
+      <p:grpSpPr>
+        <a:xfrm>
+          <a:off x="0" y="0"/>
+          <a:ext cx="0" cy="0"/>
+          <a:chOff x="0" y="0"/>
+          <a:chExt cx="0" cy="0"/>
+        </a:xfrm>
+      </p:grpSpPr>
+      <p:sp>
+        <p:nvSpPr>
+          <p:cNvPr id="2" name="Title 1"/>
+          <p:cNvSpPr>
+            <a:spLocks noGrp="1"/>
+          </p:cNvSpPr>
+          <p:nvPr>
+            <p:ph type="title"/>
+          </p:nvPr>
+        </p:nvSpPr>
+        <p:spPr/>
+        <p:txBody>
+          <a:bodyPr/>
+          <a:lstStyle/>
+          <a:p>
+            <a:r>
+              <a:rPr lang="en-US" dirty="0" smtClean="0"/>
+              <a:t> </a:t>
+            </a:r>
+            <a:endParaRPr lang="en-US" dirty="0"/>
+          </a:p>
+        </p:txBody>
+      </p:sp>
+      <p:sp>
+        <p:nvSpPr>
+          <p:cNvPr id="3" name="Content Placeholder 2"/>
+          <p:cNvSpPr>
+            <a:spLocks noGrp="1"/>
+          </p:cNvSpPr>
+          <p:nvPr>
+            <p:ph idx="1"/>
+          </p:nvPr>
+        </p:nvSpPr>
+        <p:spPr/>
+        <p:txBody>
+          <a:bodyPr>
+            <a:normAutofit fontScale="92500" lnSpcReduction="10000"/>
+          </a:bodyPr>
+          <a:lstStyle/>
+          <a:p>
+            <a:r>
+              <a:rPr lang="en-US" dirty="0"/>
+              <a:t>To potentially adjust business rules to improve profitability, we can explore options such as:</a:t>
+            </a:r>
+          </a:p>
+          <a:p>
+            <a:pPr lvl="1"/>
+            <a:r>
+              <a:rPr lang="en-US" dirty="0"/>
+              <a:t>Adjusting eligibility criteria based on customer behavior or credit performance.</a:t>
+            </a:r>
+          </a:p>
+          <a:p>
+            <a:pPr lvl="1"/>
+            <a:r>
+              <a:rPr lang="en-US" dirty="0"/>
+              <a:t>Offering incentives or discounts to encourage customers to purchase upgrades.</a:t>
+            </a:r>
+          </a:p>
+          <a:p>
+            <a:r>
+              <a:rPr lang="en-US" dirty="0" smtClean="0"/>
+              <a:t>Operational </a:t>
+            </a:r>
+            <a:r>
+              <a:rPr lang="en-US" dirty="0"/>
+              <a:t>improvements to investigate to improve profitability may include:</a:t>
+            </a:r>
+          </a:p>
+          <a:p>
+            <a:pPr lvl="1"/>
+            <a:r>
+              <a:rPr lang="en-US" dirty="0"/>
+              <a:t>Analyzing the sensitivity of assumptions (e.g., conversion rates, eligibility criteria) to identify areas for optimization.</a:t>
+            </a:r>
+          </a:p>
+          <a:p>
+            <a:pPr lvl="1"/>
+            <a:r>
+              <a:rPr lang="en-US" dirty="0"/>
+              <a:t>Conducting market research to understand customer preferences and behavior better.</a:t>
+            </a:r>
+          </a:p>
+          <a:p>
+            <a:pPr lvl="1"/>
+            <a:r>
+              <a:rPr lang="en-US" dirty="0"/>
+              <a:t>Implementing data-driven decision-making processes to optimize product offerings and pricing strategies.</a:t>
+            </a:r>
+          </a:p>
+        </p:txBody>
+      </p:sp>
+    </p:spTree>
+    <p:extLst>
+      <p:ext uri="{BB962C8B-B14F-4D97-AF65-F5344CB8AC3E}">
+        <p14:creationId xmlns:p14="http://schemas.microsoft.com/office/powerpoint/2010/main" val="3864135730"/>
+      </p:ext>
+    </p:extLst>
+  </p:cSld>
+  <p:clrMapOvr>
+    <a:masterClrMapping/>
+  </p:clrMapOvr>
+</p:sld>
+</file>
+
+<file path=ppt/slides/slide7.xml><?xml version="1.0" encoding="utf-8"?>
+<p:sld xmlns:a="http://schemas.openxmlformats.org/drawingml/2006/main" xmlns:r="http://schemas.openxmlformats.org/officeDocument/2006/relationships" xmlns:p="http://schemas.openxmlformats.org/presentationml/2006/main">
+  <p:cSld>
+    <p:spTree>
+      <p:nvGrpSpPr>
+        <p:cNvPr id="1" name=""/>
+        <p:cNvGrpSpPr/>
+        <p:nvPr/>
+      </p:nvGrpSpPr>
+      <p:grpSpPr>
+        <a:xfrm>
+          <a:off x="0" y="0"/>
+          <a:ext cx="0" cy="0"/>
+          <a:chOff x="0" y="0"/>
+          <a:chExt cx="0" cy="0"/>
+        </a:xfrm>
+      </p:grpSpPr>
+      <p:sp>
+        <p:nvSpPr>
+          <p:cNvPr id="2" name="Title 1"/>
+          <p:cNvSpPr>
+            <a:spLocks noGrp="1"/>
+          </p:cNvSpPr>
+          <p:nvPr>
+            <p:ph type="title"/>
+          </p:nvPr>
+        </p:nvSpPr>
+        <p:spPr/>
+        <p:txBody>
+          <a:bodyPr/>
+          <a:lstStyle/>
+          <a:p>
+            <a:r>
+              <a:rPr lang="en-US" dirty="0" smtClean="0"/>
+              <a:t> </a:t>
+            </a:r>
+            <a:endParaRPr lang="en-US" dirty="0"/>
           </a:p>
         </p:txBody>
       </p:sp>
@@ -3584,8 +3747,8 @@
         </p:nvSpPr>
         <p:spPr>
           <a:xfrm>
-            <a:off x="838200" y="1825625"/>
-            <a:ext cx="10515600" cy="2422284"/>
+            <a:off x="4378036" y="3186545"/>
+            <a:ext cx="2419928" cy="1061364"/>
           </a:xfrm>
         </p:spPr>
         <p:txBody>
